--- a/ets_dets_prezentacja.pptx
+++ b/ets_dets_prezentacja.pptx
@@ -4411,71 +4411,166 @@
           </a:p>
         </p:txBody>
       </p:sp>
-      <p:sp>
-        <p:nvSpPr>
-          <p:cNvPr id="3" name="Symbol zastępczy zawartości 2"/>
-          <p:cNvSpPr>
-            <a:spLocks noGrp="1"/>
-          </p:cNvSpPr>
-          <p:nvPr>
-            <p:ph idx="1"/>
-          </p:nvPr>
-        </p:nvSpPr>
-        <p:spPr/>
-        <p:txBody>
-          <a:bodyPr/>
-          <a:lstStyle/>
-          <a:p>
-            <a:endParaRPr lang="pl-PL" dirty="0"/>
-          </a:p>
-        </p:txBody>
-      </p:sp>
       <p:pic>
         <p:nvPicPr>
-          <p:cNvPr id="4" name="Obraz 3"/>
+          <p:cNvPr id="1027" name="Picture 3"/>
           <p:cNvPicPr>
-            <a:picLocks noChangeAspect="1"/>
+            <a:picLocks noChangeAspect="1" noChangeArrowheads="1"/>
           </p:cNvPicPr>
           <p:nvPr/>
         </p:nvPicPr>
         <p:blipFill>
-          <a:blip r:embed="rId2"/>
+          <a:blip r:embed="rId2">
+            <a:extLst>
+              <a:ext uri="{28A0092B-C50C-407E-A947-70E740481C1C}">
+                <a14:useLocalDpi xmlns:a14="http://schemas.microsoft.com/office/drawing/2010/main" val="0"/>
+              </a:ext>
+            </a:extLst>
+          </a:blip>
+          <a:srcRect/>
           <a:stretch>
             <a:fillRect/>
           </a:stretch>
         </p:blipFill>
-        <p:spPr>
-          <a:xfrm>
-            <a:off x="2141915" y="1845734"/>
-            <a:ext cx="2430085" cy="4445824"/>
+        <p:spPr bwMode="auto">
+          <a:xfrm>
+            <a:off x="1555297" y="1908398"/>
+            <a:ext cx="1962150" cy="3781425"/>
           </a:xfrm>
           <a:prstGeom prst="rect">
             <a:avLst/>
           </a:prstGeom>
+          <a:noFill/>
+          <a:ln>
+            <a:noFill/>
+          </a:ln>
+          <a:extLst>
+            <a:ext uri="{909E8E84-426E-40DD-AFC4-6F175D3DCCD1}">
+              <a14:hiddenFill xmlns:a14="http://schemas.microsoft.com/office/drawing/2010/main">
+                <a:solidFill>
+                  <a:schemeClr val="accent1"/>
+                </a:solidFill>
+              </a14:hiddenFill>
+            </a:ext>
+            <a:ext uri="{91240B29-F687-4F45-9708-019B960494DF}">
+              <a14:hiddenLine xmlns:a14="http://schemas.microsoft.com/office/drawing/2010/main" w="9525">
+                <a:solidFill>
+                  <a:schemeClr val="tx1"/>
+                </a:solidFill>
+                <a:miter lim="800000"/>
+                <a:headEnd/>
+                <a:tailEnd/>
+              </a14:hiddenLine>
+            </a:ext>
+          </a:extLst>
         </p:spPr>
       </p:pic>
       <p:pic>
         <p:nvPicPr>
-          <p:cNvPr id="5" name="Obraz 4"/>
+          <p:cNvPr id="1029" name="Picture 5"/>
           <p:cNvPicPr>
-            <a:picLocks noChangeAspect="1"/>
+            <a:picLocks noChangeAspect="1" noChangeArrowheads="1"/>
           </p:cNvPicPr>
           <p:nvPr/>
         </p:nvPicPr>
         <p:blipFill>
-          <a:blip r:embed="rId3"/>
+          <a:blip r:embed="rId3">
+            <a:extLst>
+              <a:ext uri="{28A0092B-C50C-407E-A947-70E740481C1C}">
+                <a14:useLocalDpi xmlns:a14="http://schemas.microsoft.com/office/drawing/2010/main" val="0"/>
+              </a:ext>
+            </a:extLst>
+          </a:blip>
+          <a:srcRect/>
           <a:stretch>
             <a:fillRect/>
           </a:stretch>
         </p:blipFill>
-        <p:spPr>
-          <a:xfrm>
-            <a:off x="6988819" y="1845734"/>
-            <a:ext cx="1888679" cy="4445824"/>
+        <p:spPr bwMode="auto">
+          <a:xfrm>
+            <a:off x="8988199" y="2179860"/>
+            <a:ext cx="1704975" cy="3238500"/>
           </a:xfrm>
           <a:prstGeom prst="rect">
             <a:avLst/>
           </a:prstGeom>
+          <a:noFill/>
+          <a:ln>
+            <a:noFill/>
+          </a:ln>
+          <a:extLst>
+            <a:ext uri="{909E8E84-426E-40DD-AFC4-6F175D3DCCD1}">
+              <a14:hiddenFill xmlns:a14="http://schemas.microsoft.com/office/drawing/2010/main">
+                <a:solidFill>
+                  <a:schemeClr val="accent1"/>
+                </a:solidFill>
+              </a14:hiddenFill>
+            </a:ext>
+            <a:ext uri="{91240B29-F687-4F45-9708-019B960494DF}">
+              <a14:hiddenLine xmlns:a14="http://schemas.microsoft.com/office/drawing/2010/main" w="9525">
+                <a:solidFill>
+                  <a:schemeClr val="tx1"/>
+                </a:solidFill>
+                <a:miter lim="800000"/>
+                <a:headEnd/>
+                <a:tailEnd/>
+              </a14:hiddenLine>
+            </a:ext>
+          </a:extLst>
+        </p:spPr>
+      </p:pic>
+      <p:pic>
+        <p:nvPicPr>
+          <p:cNvPr id="1030" name="Picture 6"/>
+          <p:cNvPicPr>
+            <a:picLocks noChangeAspect="1" noChangeArrowheads="1"/>
+          </p:cNvPicPr>
+          <p:nvPr/>
+        </p:nvPicPr>
+        <p:blipFill>
+          <a:blip r:embed="rId4">
+            <a:extLst>
+              <a:ext uri="{28A0092B-C50C-407E-A947-70E740481C1C}">
+                <a14:useLocalDpi xmlns:a14="http://schemas.microsoft.com/office/drawing/2010/main" val="0"/>
+              </a:ext>
+            </a:extLst>
+          </a:blip>
+          <a:srcRect/>
+          <a:stretch>
+            <a:fillRect/>
+          </a:stretch>
+        </p:blipFill>
+        <p:spPr bwMode="auto">
+          <a:xfrm>
+            <a:off x="4486275" y="3637185"/>
+            <a:ext cx="3219450" cy="323850"/>
+          </a:xfrm>
+          <a:prstGeom prst="rect">
+            <a:avLst/>
+          </a:prstGeom>
+          <a:noFill/>
+          <a:ln>
+            <a:noFill/>
+          </a:ln>
+          <a:extLst>
+            <a:ext uri="{909E8E84-426E-40DD-AFC4-6F175D3DCCD1}">
+              <a14:hiddenFill xmlns:a14="http://schemas.microsoft.com/office/drawing/2010/main">
+                <a:solidFill>
+                  <a:schemeClr val="accent1"/>
+                </a:solidFill>
+              </a14:hiddenFill>
+            </a:ext>
+            <a:ext uri="{91240B29-F687-4F45-9708-019B960494DF}">
+              <a14:hiddenLine xmlns:a14="http://schemas.microsoft.com/office/drawing/2010/main" w="9525">
+                <a:solidFill>
+                  <a:schemeClr val="tx1"/>
+                </a:solidFill>
+                <a:miter lim="800000"/>
+                <a:headEnd/>
+                <a:tailEnd/>
+              </a14:hiddenLine>
+            </a:ext>
+          </a:extLst>
         </p:spPr>
       </p:pic>
     </p:spTree>
@@ -6063,7 +6158,7 @@
   <a:extraClrSchemeLst/>
   <a:extLst>
     <a:ext uri="{05A4C25C-085E-4340-85A3-A5531E510DB2}">
-      <thm15:themeFamily xmlns:thm15="http://schemas.microsoft.com/office/thememl/2012/main" name="Retrospect" id="{5F128B03-DCCA-4EEB-AB3B-CF2899314A46}" vid="{3F1AAB62-24C6-49D2-8E01-B56FAC9A3DCD}"/>
+      <thm15:themeFamily xmlns:thm15="http://schemas.microsoft.com/office/thememl/2012/main" xmlns="" name="Retrospect" id="{5F128B03-DCCA-4EEB-AB3B-CF2899314A46}" vid="{3F1AAB62-24C6-49D2-8E01-B56FAC9A3DCD}"/>
     </a:ext>
   </a:extLst>
 </a:theme>
